--- a/Prototype.pptx
+++ b/Prototype.pptx
@@ -5238,7 +5238,7 @@
         <a:p>
           <a:r>
             <a:rPr lang="fr-FR" dirty="0"/>
-            <a:t>Est similaire à une fabrique (classe abstraire mais possède une méthode Clone)</a:t>
+            <a:t>Est similaire à une fabrique (classe abstraite mais possède une méthode Clone)</a:t>
           </a:r>
           <a:endParaRPr lang="en-US" dirty="0"/>
         </a:p>
@@ -7330,7 +7330,7 @@
           </a:pPr>
           <a:r>
             <a:rPr lang="fr-FR" sz="2300" kern="1200" dirty="0"/>
-            <a:t>Est similaire à une fabrique (classe abstraire mais possède une méthode Clone)</a:t>
+            <a:t>Est similaire à une fabrique (classe abstraite mais possède une méthode Clone)</a:t>
           </a:r>
           <a:endParaRPr lang="en-US" sz="2300" kern="1200" dirty="0"/>
         </a:p>
@@ -25896,7 +25896,7 @@
             <p:ph idx="1"/>
             <p:extLst>
               <p:ext uri="{D42A27DB-BD31-4B8C-83A1-F6EECF244321}">
-                <p14:modId xmlns:p14="http://schemas.microsoft.com/office/powerpoint/2010/main" val="3832185321"/>
+                <p14:modId xmlns:p14="http://schemas.microsoft.com/office/powerpoint/2010/main" val="3108538089"/>
               </p:ext>
             </p:extLst>
           </p:nvPr>
